--- a/ch06/06.01 Source Systems.pptx
+++ b/ch06/06.01 Source Systems.pptx
@@ -5,22 +5,23 @@
     <p:sldMasterId id="2147483809" r:id="rId1"/>
   </p:sldMasterIdLst>
   <p:notesMasterIdLst>
-    <p:notesMasterId r:id="rId12"/>
+    <p:notesMasterId r:id="rId13"/>
   </p:notesMasterIdLst>
   <p:handoutMasterIdLst>
-    <p:handoutMasterId r:id="rId13"/>
+    <p:handoutMasterId r:id="rId14"/>
   </p:handoutMasterIdLst>
   <p:sldIdLst>
     <p:sldId id="280" r:id="rId2"/>
-    <p:sldId id="319" r:id="rId3"/>
-    <p:sldId id="320" r:id="rId4"/>
-    <p:sldId id="321" r:id="rId5"/>
-    <p:sldId id="322" r:id="rId6"/>
-    <p:sldId id="323" r:id="rId7"/>
-    <p:sldId id="324" r:id="rId8"/>
-    <p:sldId id="325" r:id="rId9"/>
-    <p:sldId id="318" r:id="rId10"/>
-    <p:sldId id="301" r:id="rId11"/>
+    <p:sldId id="326" r:id="rId3"/>
+    <p:sldId id="319" r:id="rId4"/>
+    <p:sldId id="320" r:id="rId5"/>
+    <p:sldId id="321" r:id="rId6"/>
+    <p:sldId id="322" r:id="rId7"/>
+    <p:sldId id="323" r:id="rId8"/>
+    <p:sldId id="324" r:id="rId9"/>
+    <p:sldId id="325" r:id="rId10"/>
+    <p:sldId id="318" r:id="rId11"/>
+    <p:sldId id="301" r:id="rId12"/>
   </p:sldIdLst>
   <p:sldSz cx="23409275" cy="13166725"/>
   <p:notesSz cx="6858000" cy="9144000"/>
@@ -253,7 +254,7 @@
           <a:p>
             <a:fld id="{B6BED862-AF33-0947-A601-FA6040CBDB50}" type="datetimeFigureOut">
               <a:rPr lang="en-US" smtClean="0"/>
-              <a:t>7/24/19</a:t>
+              <a:t>8/2/19</a:t>
             </a:fld>
             <a:endParaRPr lang="en-US" dirty="0"/>
           </a:p>
@@ -386,17 +387,17 @@
           <a:effectLst/>
           <a:extLst>
             <a:ext uri="{FAA26D3D-D897-4be2-8F04-BA451C77F1D7}">
-              <ma14:placeholderFlag xmlns="" xmlns:ma14="http://schemas.microsoft.com/office/mac/drawingml/2011/main" val="1"/>
+              <ma14:placeholderFlag xmlns:ma14="http://schemas.microsoft.com/office/mac/drawingml/2011/main" xmlns="" val="1"/>
             </a:ext>
             <a:ext uri="{909E8E84-426E-40dd-AFC4-6F175D3DCCD1}">
-              <a14:hiddenFill xmlns:a14="http://schemas.microsoft.com/office/drawing/2010/main" xmlns="">
+              <a14:hiddenFill xmlns="" xmlns:a14="http://schemas.microsoft.com/office/drawing/2010/main">
                 <a:solidFill>
                   <a:schemeClr val="accent1"/>
                 </a:solidFill>
               </a14:hiddenFill>
             </a:ext>
             <a:ext uri="{91240B29-F687-4f45-9708-019B960494DF}">
-              <a14:hiddenLine xmlns:a14="http://schemas.microsoft.com/office/drawing/2010/main" xmlns="" w="9525">
+              <a14:hiddenLine xmlns="" xmlns:a14="http://schemas.microsoft.com/office/drawing/2010/main" w="9525">
                 <a:solidFill>
                   <a:schemeClr val="tx1"/>
                 </a:solidFill>
@@ -406,7 +407,7 @@
               </a14:hiddenLine>
             </a:ext>
             <a:ext uri="{AF507438-7753-43e0-B8FC-AC1667EBCBE1}">
-              <a14:hiddenEffects xmlns:a14="http://schemas.microsoft.com/office/drawing/2010/main" xmlns="">
+              <a14:hiddenEffects xmlns="" xmlns:a14="http://schemas.microsoft.com/office/drawing/2010/main">
                 <a:effectLst>
                   <a:outerShdw blurRad="63500" dist="38099" dir="2700000" algn="ctr" rotWithShape="0">
                     <a:schemeClr val="bg2">
@@ -465,17 +466,17 @@
           <a:effectLst/>
           <a:extLst>
             <a:ext uri="{FAA26D3D-D897-4be2-8F04-BA451C77F1D7}">
-              <ma14:placeholderFlag xmlns="" xmlns:ma14="http://schemas.microsoft.com/office/mac/drawingml/2011/main" val="1"/>
+              <ma14:placeholderFlag xmlns:ma14="http://schemas.microsoft.com/office/mac/drawingml/2011/main" xmlns="" val="1"/>
             </a:ext>
             <a:ext uri="{909E8E84-426E-40dd-AFC4-6F175D3DCCD1}">
-              <a14:hiddenFill xmlns:a14="http://schemas.microsoft.com/office/drawing/2010/main" xmlns="">
+              <a14:hiddenFill xmlns="" xmlns:a14="http://schemas.microsoft.com/office/drawing/2010/main">
                 <a:solidFill>
                   <a:schemeClr val="accent1"/>
                 </a:solidFill>
               </a14:hiddenFill>
             </a:ext>
             <a:ext uri="{91240B29-F687-4f45-9708-019B960494DF}">
-              <a14:hiddenLine xmlns:a14="http://schemas.microsoft.com/office/drawing/2010/main" xmlns="" w="9525">
+              <a14:hiddenLine xmlns="" xmlns:a14="http://schemas.microsoft.com/office/drawing/2010/main" w="9525">
                 <a:solidFill>
                   <a:schemeClr val="tx1"/>
                 </a:solidFill>
@@ -485,7 +486,7 @@
               </a14:hiddenLine>
             </a:ext>
             <a:ext uri="{AF507438-7753-43e0-B8FC-AC1667EBCBE1}">
-              <a14:hiddenEffects xmlns:a14="http://schemas.microsoft.com/office/drawing/2010/main" xmlns="">
+              <a14:hiddenEffects xmlns="" xmlns:a14="http://schemas.microsoft.com/office/drawing/2010/main">
                 <a:effectLst>
                   <a:outerShdw blurRad="63500" dist="38099" dir="2700000" algn="ctr" rotWithShape="0">
                     <a:schemeClr val="bg2">
@@ -549,7 +550,7 @@
           <a:effectLst/>
           <a:extLst>
             <a:ext uri="{AF507438-7753-43e0-B8FC-AC1667EBCBE1}">
-              <a14:hiddenEffects xmlns:a14="http://schemas.microsoft.com/office/drawing/2010/main" xmlns="">
+              <a14:hiddenEffects xmlns="" xmlns:a14="http://schemas.microsoft.com/office/drawing/2010/main">
                 <a:effectLst>
                   <a:outerShdw blurRad="63500" dist="38099" dir="2700000" algn="ctr" rotWithShape="0">
                     <a:srgbClr val="000000">
@@ -560,7 +561,7 @@
               </a14:hiddenEffects>
             </a:ext>
             <a:ext uri="{53640926-AAD7-44d8-BBD7-CCE9431645EC}">
-              <a14:shadowObscured xmlns:a14="http://schemas.microsoft.com/office/drawing/2010/main" xmlns="" val="1"/>
+              <a14:shadowObscured xmlns="" xmlns:a14="http://schemas.microsoft.com/office/drawing/2010/main" val="1"/>
             </a:ext>
           </a:extLst>
         </p:spPr>
@@ -590,17 +591,17 @@
           <a:effectLst/>
           <a:extLst>
             <a:ext uri="{FAA26D3D-D897-4be2-8F04-BA451C77F1D7}">
-              <ma14:placeholderFlag xmlns="" xmlns:ma14="http://schemas.microsoft.com/office/mac/drawingml/2011/main" val="1"/>
+              <ma14:placeholderFlag xmlns:ma14="http://schemas.microsoft.com/office/mac/drawingml/2011/main" xmlns="" val="1"/>
             </a:ext>
             <a:ext uri="{909E8E84-426E-40dd-AFC4-6F175D3DCCD1}">
-              <a14:hiddenFill xmlns:a14="http://schemas.microsoft.com/office/drawing/2010/main" xmlns="">
+              <a14:hiddenFill xmlns="" xmlns:a14="http://schemas.microsoft.com/office/drawing/2010/main">
                 <a:solidFill>
                   <a:schemeClr val="accent1"/>
                 </a:solidFill>
               </a14:hiddenFill>
             </a:ext>
             <a:ext uri="{91240B29-F687-4f45-9708-019B960494DF}">
-              <a14:hiddenLine xmlns:a14="http://schemas.microsoft.com/office/drawing/2010/main" xmlns="" w="9525">
+              <a14:hiddenLine xmlns="" xmlns:a14="http://schemas.microsoft.com/office/drawing/2010/main" w="9525">
                 <a:solidFill>
                   <a:schemeClr val="tx1"/>
                 </a:solidFill>
@@ -610,7 +611,7 @@
               </a14:hiddenLine>
             </a:ext>
             <a:ext uri="{AF507438-7753-43e0-B8FC-AC1667EBCBE1}">
-              <a14:hiddenEffects xmlns:a14="http://schemas.microsoft.com/office/drawing/2010/main" xmlns="">
+              <a14:hiddenEffects xmlns="" xmlns:a14="http://schemas.microsoft.com/office/drawing/2010/main">
                 <a:effectLst>
                   <a:outerShdw blurRad="63500" dist="38099" dir="2700000" algn="ctr" rotWithShape="0">
                     <a:schemeClr val="bg2">
@@ -691,17 +692,17 @@
           <a:effectLst/>
           <a:extLst>
             <a:ext uri="{FAA26D3D-D897-4be2-8F04-BA451C77F1D7}">
-              <ma14:placeholderFlag xmlns="" xmlns:ma14="http://schemas.microsoft.com/office/mac/drawingml/2011/main" val="1"/>
+              <ma14:placeholderFlag xmlns:ma14="http://schemas.microsoft.com/office/mac/drawingml/2011/main" xmlns="" val="1"/>
             </a:ext>
             <a:ext uri="{909E8E84-426E-40dd-AFC4-6F175D3DCCD1}">
-              <a14:hiddenFill xmlns:a14="http://schemas.microsoft.com/office/drawing/2010/main" xmlns="">
+              <a14:hiddenFill xmlns="" xmlns:a14="http://schemas.microsoft.com/office/drawing/2010/main">
                 <a:solidFill>
                   <a:schemeClr val="accent1"/>
                 </a:solidFill>
               </a14:hiddenFill>
             </a:ext>
             <a:ext uri="{91240B29-F687-4f45-9708-019B960494DF}">
-              <a14:hiddenLine xmlns:a14="http://schemas.microsoft.com/office/drawing/2010/main" xmlns="" w="9525">
+              <a14:hiddenLine xmlns="" xmlns:a14="http://schemas.microsoft.com/office/drawing/2010/main" w="9525">
                 <a:solidFill>
                   <a:schemeClr val="tx1"/>
                 </a:solidFill>
@@ -711,7 +712,7 @@
               </a14:hiddenLine>
             </a:ext>
             <a:ext uri="{AF507438-7753-43e0-B8FC-AC1667EBCBE1}">
-              <a14:hiddenEffects xmlns:a14="http://schemas.microsoft.com/office/drawing/2010/main" xmlns="">
+              <a14:hiddenEffects xmlns="" xmlns:a14="http://schemas.microsoft.com/office/drawing/2010/main">
                 <a:effectLst>
                   <a:outerShdw blurRad="63500" dist="38099" dir="2700000" algn="ctr" rotWithShape="0">
                     <a:schemeClr val="bg2">
@@ -770,17 +771,17 @@
           <a:effectLst/>
           <a:extLst>
             <a:ext uri="{FAA26D3D-D897-4be2-8F04-BA451C77F1D7}">
-              <ma14:placeholderFlag xmlns="" xmlns:ma14="http://schemas.microsoft.com/office/mac/drawingml/2011/main" val="1"/>
+              <ma14:placeholderFlag xmlns:ma14="http://schemas.microsoft.com/office/mac/drawingml/2011/main" xmlns="" val="1"/>
             </a:ext>
             <a:ext uri="{909E8E84-426E-40dd-AFC4-6F175D3DCCD1}">
-              <a14:hiddenFill xmlns:a14="http://schemas.microsoft.com/office/drawing/2010/main" xmlns="">
+              <a14:hiddenFill xmlns="" xmlns:a14="http://schemas.microsoft.com/office/drawing/2010/main">
                 <a:solidFill>
                   <a:schemeClr val="accent1"/>
                 </a:solidFill>
               </a14:hiddenFill>
             </a:ext>
             <a:ext uri="{91240B29-F687-4f45-9708-019B960494DF}">
-              <a14:hiddenLine xmlns:a14="http://schemas.microsoft.com/office/drawing/2010/main" xmlns="" w="9525">
+              <a14:hiddenLine xmlns="" xmlns:a14="http://schemas.microsoft.com/office/drawing/2010/main" w="9525">
                 <a:solidFill>
                   <a:schemeClr val="tx1"/>
                 </a:solidFill>
@@ -790,7 +791,7 @@
               </a14:hiddenLine>
             </a:ext>
             <a:ext uri="{AF507438-7753-43e0-B8FC-AC1667EBCBE1}">
-              <a14:hiddenEffects xmlns:a14="http://schemas.microsoft.com/office/drawing/2010/main" xmlns="">
+              <a14:hiddenEffects xmlns="" xmlns:a14="http://schemas.microsoft.com/office/drawing/2010/main">
                 <a:effectLst>
                   <a:outerShdw blurRad="63500" dist="38099" dir="2700000" algn="ctr" rotWithShape="0">
                     <a:schemeClr val="bg2">
@@ -1110,7 +1111,7 @@
             <a:fld id="{38E0659F-3E19-A049-AC1A-FB6BFDC66573}" type="slidenum">
               <a:rPr lang="en-US" altLang="en-US" smtClean="0"/>
               <a:pPr/>
-              <a:t>2</a:t>
+              <a:t>3</a:t>
             </a:fld>
             <a:endParaRPr lang="en-US" altLang="en-US" dirty="0"/>
           </a:p>
@@ -1198,7 +1199,7 @@
             <a:fld id="{38E0659F-3E19-A049-AC1A-FB6BFDC66573}" type="slidenum">
               <a:rPr lang="en-US" altLang="en-US" smtClean="0"/>
               <a:pPr/>
-              <a:t>4</a:t>
+              <a:t>5</a:t>
             </a:fld>
             <a:endParaRPr lang="en-US" altLang="en-US" dirty="0"/>
           </a:p>
@@ -1283,7 +1284,7 @@
             <a:fld id="{38E0659F-3E19-A049-AC1A-FB6BFDC66573}" type="slidenum">
               <a:rPr lang="en-US" altLang="en-US" smtClean="0"/>
               <a:pPr/>
-              <a:t>9</a:t>
+              <a:t>10</a:t>
             </a:fld>
             <a:endParaRPr lang="en-US" altLang="en-US" dirty="0"/>
           </a:p>
@@ -1896,7 +1897,7 @@
               </a14:hiddenLine>
             </a:ext>
             <a:ext uri="{FAA26D3D-D897-4be2-8F04-BA451C77F1D7}">
-              <ma14:placeholderFlag xmlns="" xmlns:ma14="http://schemas.microsoft.com/office/mac/drawingml/2011/main" val="1"/>
+              <ma14:placeholderFlag xmlns:ma14="http://schemas.microsoft.com/office/mac/drawingml/2011/main" xmlns="" val="1"/>
             </a:ext>
           </a:extLst>
         </p:spPr>
@@ -2818,14 +2819,14 @@
           </a:ln>
           <a:extLst>
             <a:ext uri="{909E8E84-426E-40dd-AFC4-6F175D3DCCD1}">
-              <a14:hiddenFill xmlns:a14="http://schemas.microsoft.com/office/drawing/2010/main" xmlns="">
+              <a14:hiddenFill xmlns="" xmlns:a14="http://schemas.microsoft.com/office/drawing/2010/main">
                 <a:solidFill>
                   <a:srgbClr val="FFFFFF"/>
                 </a:solidFill>
               </a14:hiddenFill>
             </a:ext>
             <a:ext uri="{91240B29-F687-4f45-9708-019B960494DF}">
-              <a14:hiddenLine xmlns:a14="http://schemas.microsoft.com/office/drawing/2010/main" xmlns="" w="9525">
+              <a14:hiddenLine xmlns="" xmlns:a14="http://schemas.microsoft.com/office/drawing/2010/main" w="9525">
                 <a:solidFill>
                   <a:srgbClr val="000000"/>
                 </a:solidFill>
@@ -2992,6 +2993,181 @@
       </p:grpSpPr>
       <p:pic>
         <p:nvPicPr>
+          <p:cNvPr id="3" name="Picture 2">
+            <a:extLst>
+              <a:ext uri="{FF2B5EF4-FFF2-40B4-BE49-F238E27FC236}">
+                <a16:creationId xmlns:a16="http://schemas.microsoft.com/office/drawing/2014/main" id="{B6CBC6EA-BE7F-0F49-8FDB-E3C640392A17}"/>
+              </a:ext>
+            </a:extLst>
+          </p:cNvPr>
+          <p:cNvPicPr>
+            <a:picLocks noChangeAspect="1"/>
+          </p:cNvPicPr>
+          <p:nvPr/>
+        </p:nvPicPr>
+        <p:blipFill>
+          <a:blip r:embed="rId3"/>
+          <a:stretch>
+            <a:fillRect/>
+          </a:stretch>
+        </p:blipFill>
+        <p:spPr>
+          <a:xfrm>
+            <a:off x="-30163" y="-46039"/>
+            <a:ext cx="23439438" cy="14649649"/>
+          </a:xfrm>
+          <a:prstGeom prst="rect">
+            <a:avLst/>
+          </a:prstGeom>
+        </p:spPr>
+      </p:pic>
+      <p:sp>
+        <p:nvSpPr>
+          <p:cNvPr id="5" name="Rounded Rectangle 4">
+            <a:extLst>
+              <a:ext uri="{FF2B5EF4-FFF2-40B4-BE49-F238E27FC236}">
+                <a16:creationId xmlns:a16="http://schemas.microsoft.com/office/drawing/2014/main" id="{01D3AE89-EB2D-8547-AFDE-F7B7EF3E2D62}"/>
+              </a:ext>
+            </a:extLst>
+          </p:cNvPr>
+          <p:cNvSpPr/>
+          <p:nvPr/>
+        </p:nvSpPr>
+        <p:spPr>
+          <a:xfrm>
+            <a:off x="731837" y="1020762"/>
+            <a:ext cx="8915400" cy="7105782"/>
+          </a:xfrm>
+          <a:prstGeom prst="roundRect">
+            <a:avLst>
+              <a:gd name="adj" fmla="val 3393"/>
+            </a:avLst>
+          </a:prstGeom>
+          <a:solidFill>
+            <a:srgbClr val="FCF7FF"/>
+          </a:solidFill>
+          <a:ln>
+            <a:solidFill>
+              <a:schemeClr val="tx1">
+                <a:lumMod val="75000"/>
+                <a:lumOff val="25000"/>
+              </a:schemeClr>
+            </a:solidFill>
+          </a:ln>
+          <a:effectLst/>
+        </p:spPr>
+        <p:style>
+          <a:lnRef idx="1">
+            <a:schemeClr val="accent1"/>
+          </a:lnRef>
+          <a:fillRef idx="3">
+            <a:schemeClr val="accent1"/>
+          </a:fillRef>
+          <a:effectRef idx="2">
+            <a:schemeClr val="accent1"/>
+          </a:effectRef>
+          <a:fontRef idx="minor">
+            <a:schemeClr val="lt1"/>
+          </a:fontRef>
+        </p:style>
+        <p:txBody>
+          <a:bodyPr rtlCol="0" anchor="ctr"/>
+          <a:lstStyle/>
+          <a:p>
+            <a:pPr>
+              <a:spcBef>
+                <a:spcPts val="600"/>
+              </a:spcBef>
+              <a:spcAft>
+                <a:spcPts val="1200"/>
+              </a:spcAft>
+            </a:pPr>
+            <a:r>
+              <a:rPr lang="en-US" sz="4000" dirty="0">
+                <a:solidFill>
+                  <a:schemeClr val="tx1">
+                    <a:lumMod val="85000"/>
+                    <a:lumOff val="15000"/>
+                  </a:schemeClr>
+                </a:solidFill>
+              </a:rPr>
+              <a:t>Difference between source systems and data-generating systems</a:t>
+            </a:r>
+          </a:p>
+          <a:p>
+            <a:pPr>
+              <a:spcBef>
+                <a:spcPts val="600"/>
+              </a:spcBef>
+              <a:spcAft>
+                <a:spcPts val="1200"/>
+              </a:spcAft>
+            </a:pPr>
+            <a:endParaRPr lang="en-US" sz="4000" dirty="0">
+              <a:solidFill>
+                <a:schemeClr val="tx1">
+                  <a:lumMod val="85000"/>
+                  <a:lumOff val="15000"/>
+                </a:schemeClr>
+              </a:solidFill>
+            </a:endParaRPr>
+          </a:p>
+          <a:p>
+            <a:pPr>
+              <a:spcBef>
+                <a:spcPts val="600"/>
+              </a:spcBef>
+              <a:spcAft>
+                <a:spcPts val="1200"/>
+              </a:spcAft>
+            </a:pPr>
+            <a:r>
+              <a:rPr lang="en-US" sz="4000" dirty="0">
+                <a:solidFill>
+                  <a:schemeClr val="tx1">
+                    <a:lumMod val="85000"/>
+                    <a:lumOff val="15000"/>
+                  </a:schemeClr>
+                </a:solidFill>
+              </a:rPr>
+              <a:t>List of source systems and how they would be used</a:t>
+            </a:r>
+          </a:p>
+        </p:txBody>
+      </p:sp>
+    </p:spTree>
+    <p:extLst>
+      <p:ext uri="{BB962C8B-B14F-4D97-AF65-F5344CB8AC3E}">
+        <p14:creationId xmlns:p14="http://schemas.microsoft.com/office/powerpoint/2010/main" val="2667180930"/>
+      </p:ext>
+    </p:extLst>
+  </p:cSld>
+  <p:clrMapOvr>
+    <a:masterClrMapping/>
+  </p:clrMapOvr>
+  <p:transition/>
+</p:sld>
+</file>
+
+<file path=ppt/slides/slide11.xml><?xml version="1.0" encoding="utf-8"?>
+<p:sld xmlns:a="http://schemas.openxmlformats.org/drawingml/2006/main" xmlns:r="http://schemas.openxmlformats.org/officeDocument/2006/relationships" xmlns:p="http://schemas.openxmlformats.org/presentationml/2006/main">
+  <p:cSld>
+    <p:spTree>
+      <p:nvGrpSpPr>
+        <p:cNvPr id="1" name=""/>
+        <p:cNvGrpSpPr/>
+        <p:nvPr/>
+      </p:nvGrpSpPr>
+      <p:grpSpPr>
+        <a:xfrm>
+          <a:off x="0" y="0"/>
+          <a:ext cx="0" cy="0"/>
+          <a:chOff x="0" y="0"/>
+          <a:chExt cx="0" cy="0"/>
+        </a:xfrm>
+      </p:grpSpPr>
+      <p:pic>
+        <p:nvPicPr>
           <p:cNvPr id="6145" name="Picture 3" descr="DESB.psd"/>
           <p:cNvPicPr>
             <a:picLocks noChangeAspect="1"/>
@@ -3077,6 +3253,92 @@
       </p:grpSpPr>
       <p:sp>
         <p:nvSpPr>
+          <p:cNvPr id="5" name="Title 4">
+            <a:extLst>
+              <a:ext uri="{FF2B5EF4-FFF2-40B4-BE49-F238E27FC236}">
+                <a16:creationId xmlns:a16="http://schemas.microsoft.com/office/drawing/2014/main" id="{0ECCEDEE-F9EA-A245-A478-06A0BC28939A}"/>
+              </a:ext>
+            </a:extLst>
+          </p:cNvPr>
+          <p:cNvSpPr>
+            <a:spLocks noGrp="1"/>
+          </p:cNvSpPr>
+          <p:nvPr>
+            <p:ph type="title"/>
+          </p:nvPr>
+        </p:nvSpPr>
+        <p:spPr/>
+        <p:txBody>
+          <a:bodyPr/>
+          <a:lstStyle/>
+          <a:p>
+            <a:endParaRPr lang="en-US"/>
+          </a:p>
+        </p:txBody>
+      </p:sp>
+      <p:pic>
+        <p:nvPicPr>
+          <p:cNvPr id="4" name="Picture 3">
+            <a:extLst>
+              <a:ext uri="{FF2B5EF4-FFF2-40B4-BE49-F238E27FC236}">
+                <a16:creationId xmlns:a16="http://schemas.microsoft.com/office/drawing/2014/main" id="{F2F55049-75C0-F742-AE28-84672F01BE03}"/>
+              </a:ext>
+            </a:extLst>
+          </p:cNvPr>
+          <p:cNvPicPr>
+            <a:picLocks noChangeAspect="1"/>
+          </p:cNvPicPr>
+          <p:nvPr/>
+        </p:nvPicPr>
+        <p:blipFill>
+          <a:blip r:embed="rId2"/>
+          <a:stretch>
+            <a:fillRect/>
+          </a:stretch>
+        </p:blipFill>
+        <p:spPr>
+          <a:xfrm>
+            <a:off x="6351995" y="2697162"/>
+            <a:ext cx="10705286" cy="8534400"/>
+          </a:xfrm>
+          <a:prstGeom prst="rect">
+            <a:avLst/>
+          </a:prstGeom>
+        </p:spPr>
+      </p:pic>
+    </p:spTree>
+    <p:extLst>
+      <p:ext uri="{BB962C8B-B14F-4D97-AF65-F5344CB8AC3E}">
+        <p14:creationId xmlns:p14="http://schemas.microsoft.com/office/powerpoint/2010/main" val="1762855832"/>
+      </p:ext>
+    </p:extLst>
+  </p:cSld>
+  <p:clrMapOvr>
+    <a:masterClrMapping/>
+  </p:clrMapOvr>
+  <p:transition/>
+</p:sld>
+</file>
+
+<file path=ppt/slides/slide3.xml><?xml version="1.0" encoding="utf-8"?>
+<p:sld xmlns:a="http://schemas.openxmlformats.org/drawingml/2006/main" xmlns:r="http://schemas.openxmlformats.org/officeDocument/2006/relationships" xmlns:p="http://schemas.openxmlformats.org/presentationml/2006/main">
+  <p:cSld>
+    <p:spTree>
+      <p:nvGrpSpPr>
+        <p:cNvPr id="1" name=""/>
+        <p:cNvGrpSpPr/>
+        <p:nvPr/>
+      </p:nvGrpSpPr>
+      <p:grpSpPr>
+        <a:xfrm>
+          <a:off x="0" y="0"/>
+          <a:ext cx="0" cy="0"/>
+          <a:chOff x="0" y="0"/>
+          <a:chExt cx="0" cy="0"/>
+        </a:xfrm>
+      </p:grpSpPr>
+      <p:sp>
+        <p:nvSpPr>
           <p:cNvPr id="2" name="Title 1">
             <a:extLst>
               <a:ext uri="{FF2B5EF4-FFF2-40B4-BE49-F238E27FC236}">
@@ -3349,217 +3611,6 @@
 </p:sld>
 </file>
 
-<file path=ppt/slides/slide3.xml><?xml version="1.0" encoding="utf-8"?>
-<p:sld xmlns:a="http://schemas.openxmlformats.org/drawingml/2006/main" xmlns:r="http://schemas.openxmlformats.org/officeDocument/2006/relationships" xmlns:p="http://schemas.openxmlformats.org/presentationml/2006/main">
-  <p:cSld>
-    <p:spTree>
-      <p:nvGrpSpPr>
-        <p:cNvPr id="1" name=""/>
-        <p:cNvGrpSpPr/>
-        <p:nvPr/>
-      </p:nvGrpSpPr>
-      <p:grpSpPr>
-        <a:xfrm>
-          <a:off x="0" y="0"/>
-          <a:ext cx="0" cy="0"/>
-          <a:chOff x="0" y="0"/>
-          <a:chExt cx="0" cy="0"/>
-        </a:xfrm>
-      </p:grpSpPr>
-      <p:sp>
-        <p:nvSpPr>
-          <p:cNvPr id="2" name="Title 1">
-            <a:extLst>
-              <a:ext uri="{FF2B5EF4-FFF2-40B4-BE49-F238E27FC236}">
-                <a16:creationId xmlns:a16="http://schemas.microsoft.com/office/drawing/2014/main" id="{B9A8E5C8-0B72-2445-8D5B-A20864BBD362}"/>
-              </a:ext>
-            </a:extLst>
-          </p:cNvPr>
-          <p:cNvSpPr>
-            <a:spLocks noGrp="1"/>
-          </p:cNvSpPr>
-          <p:nvPr>
-            <p:ph type="title"/>
-          </p:nvPr>
-        </p:nvSpPr>
-        <p:spPr/>
-        <p:txBody>
-          <a:bodyPr/>
-          <a:lstStyle/>
-          <a:p>
-            <a:r>
-              <a:rPr lang="en-US" dirty="0"/>
-              <a:t>Billing systems</a:t>
-            </a:r>
-          </a:p>
-        </p:txBody>
-      </p:sp>
-      <p:sp>
-        <p:nvSpPr>
-          <p:cNvPr id="5" name="Content Placeholder 4">
-            <a:extLst>
-              <a:ext uri="{FF2B5EF4-FFF2-40B4-BE49-F238E27FC236}">
-                <a16:creationId xmlns:a16="http://schemas.microsoft.com/office/drawing/2014/main" id="{CC83C13F-61A7-B644-B90D-16086E05E476}"/>
-              </a:ext>
-            </a:extLst>
-          </p:cNvPr>
-          <p:cNvSpPr>
-            <a:spLocks noGrp="1"/>
-          </p:cNvSpPr>
-          <p:nvPr>
-            <p:ph sz="half" idx="1"/>
-          </p:nvPr>
-        </p:nvSpPr>
-        <p:spPr/>
-        <p:txBody>
-          <a:bodyPr/>
-          <a:lstStyle/>
-          <a:p>
-            <a:r>
-              <a:rPr lang="en-US" dirty="0"/>
-              <a:t>FreshBooks</a:t>
-            </a:r>
-          </a:p>
-          <a:p>
-            <a:r>
-              <a:rPr lang="en-US" dirty="0" err="1"/>
-              <a:t>Tipalti</a:t>
-            </a:r>
-            <a:endParaRPr lang="en-US" dirty="0"/>
-          </a:p>
-          <a:p>
-            <a:r>
-              <a:rPr lang="en-US" dirty="0"/>
-              <a:t>Sage 50 Cloud</a:t>
-            </a:r>
-          </a:p>
-          <a:p>
-            <a:r>
-              <a:rPr lang="en-US" dirty="0" err="1"/>
-              <a:t>Zoho</a:t>
-            </a:r>
-            <a:r>
-              <a:rPr lang="en-US" dirty="0"/>
-              <a:t> Books</a:t>
-            </a:r>
-          </a:p>
-          <a:p>
-            <a:r>
-              <a:rPr lang="en-US" dirty="0" err="1"/>
-              <a:t>Quickbooks</a:t>
-            </a:r>
-            <a:r>
-              <a:rPr lang="en-US" dirty="0"/>
-              <a:t> Enterprise</a:t>
-            </a:r>
-          </a:p>
-          <a:p>
-            <a:r>
-              <a:rPr lang="en-US" dirty="0"/>
-              <a:t>Sage Business Cloud</a:t>
-            </a:r>
-          </a:p>
-          <a:p>
-            <a:r>
-              <a:rPr lang="en-US" dirty="0" err="1"/>
-              <a:t>Xero</a:t>
-            </a:r>
-            <a:endParaRPr lang="en-US" dirty="0"/>
-          </a:p>
-        </p:txBody>
-      </p:sp>
-      <p:sp>
-        <p:nvSpPr>
-          <p:cNvPr id="6" name="Content Placeholder 5">
-            <a:extLst>
-              <a:ext uri="{FF2B5EF4-FFF2-40B4-BE49-F238E27FC236}">
-                <a16:creationId xmlns:a16="http://schemas.microsoft.com/office/drawing/2014/main" id="{7E37D3E2-F227-9E43-A20B-CC2D36DF645C}"/>
-              </a:ext>
-            </a:extLst>
-          </p:cNvPr>
-          <p:cNvSpPr>
-            <a:spLocks noGrp="1"/>
-          </p:cNvSpPr>
-          <p:nvPr>
-            <p:ph sz="half" idx="2"/>
-          </p:nvPr>
-        </p:nvSpPr>
-        <p:spPr/>
-        <p:txBody>
-          <a:bodyPr/>
-          <a:lstStyle/>
-          <a:p>
-            <a:r>
-              <a:rPr lang="en-US" dirty="0"/>
-              <a:t>Print bills to named customers</a:t>
-            </a:r>
-          </a:p>
-          <a:p>
-            <a:r>
-              <a:rPr lang="en-US" dirty="0"/>
-              <a:t>Used for behavior-based segmentations</a:t>
-            </a:r>
-          </a:p>
-          <a:p>
-            <a:r>
-              <a:rPr lang="en-US" dirty="0"/>
-              <a:t>Value-based segmentations</a:t>
-            </a:r>
-          </a:p>
-        </p:txBody>
-      </p:sp>
-      <p:sp>
-        <p:nvSpPr>
-          <p:cNvPr id="7" name="TextBox 6">
-            <a:extLst>
-              <a:ext uri="{FF2B5EF4-FFF2-40B4-BE49-F238E27FC236}">
-                <a16:creationId xmlns:a16="http://schemas.microsoft.com/office/drawing/2014/main" id="{2A17092A-14FF-6D41-9AA9-F1CCF5AE912F}"/>
-              </a:ext>
-            </a:extLst>
-          </p:cNvPr>
-          <p:cNvSpPr txBox="1"/>
-          <p:nvPr/>
-        </p:nvSpPr>
-        <p:spPr>
-          <a:xfrm>
-            <a:off x="1170463" y="11764962"/>
-            <a:ext cx="9772173" cy="461665"/>
-          </a:xfrm>
-          <a:prstGeom prst="rect">
-            <a:avLst/>
-          </a:prstGeom>
-          <a:noFill/>
-        </p:spPr>
-        <p:txBody>
-          <a:bodyPr wrap="square" rtlCol="0">
-            <a:spAutoFit/>
-          </a:bodyPr>
-          <a:lstStyle/>
-          <a:p>
-            <a:r>
-              <a:rPr lang="en-US" sz="2400" dirty="0">
-                <a:hlinkClick r:id="rId2"/>
-              </a:rPr>
-              <a:t>https://financesonline.com/top-10-billing-software-systems/</a:t>
-            </a:r>
-            <a:endParaRPr lang="en-US" sz="2400" dirty="0"/>
-          </a:p>
-        </p:txBody>
-      </p:sp>
-    </p:spTree>
-    <p:extLst>
-      <p:ext uri="{BB962C8B-B14F-4D97-AF65-F5344CB8AC3E}">
-        <p14:creationId xmlns:p14="http://schemas.microsoft.com/office/powerpoint/2010/main" val="4240589421"/>
-      </p:ext>
-    </p:extLst>
-  </p:cSld>
-  <p:clrMapOvr>
-    <a:masterClrMapping/>
-  </p:clrMapOvr>
-  <p:transition/>
-</p:sld>
-</file>
-
 <file path=ppt/slides/slide4.xml><?xml version="1.0" encoding="utf-8"?>
 <p:sld xmlns:a="http://schemas.openxmlformats.org/drawingml/2006/main" xmlns:r="http://schemas.openxmlformats.org/officeDocument/2006/relationships" xmlns:p="http://schemas.openxmlformats.org/presentationml/2006/main">
   <p:cSld>
@@ -3582,7 +3633,7 @@
           <p:cNvPr id="2" name="Title 1">
             <a:extLst>
               <a:ext uri="{FF2B5EF4-FFF2-40B4-BE49-F238E27FC236}">
-                <a16:creationId xmlns:a16="http://schemas.microsoft.com/office/drawing/2014/main" id="{B7614BE7-6984-CE4E-A855-FC356B4497A1}"/>
+                <a16:creationId xmlns:a16="http://schemas.microsoft.com/office/drawing/2014/main" id="{B9A8E5C8-0B72-2445-8D5B-A20864BBD362}"/>
               </a:ext>
             </a:extLst>
           </p:cNvPr>
@@ -3600,17 +3651,17 @@
           <a:p>
             <a:r>
               <a:rPr lang="en-US" dirty="0"/>
-              <a:t>Social media data</a:t>
-            </a:r>
-          </a:p>
-        </p:txBody>
-      </p:sp>
-      <p:sp>
-        <p:nvSpPr>
-          <p:cNvPr id="3" name="Content Placeholder 2">
+              <a:t>Billing systems</a:t>
+            </a:r>
+          </a:p>
+        </p:txBody>
+      </p:sp>
+      <p:sp>
+        <p:nvSpPr>
+          <p:cNvPr id="5" name="Content Placeholder 4">
             <a:extLst>
               <a:ext uri="{FF2B5EF4-FFF2-40B4-BE49-F238E27FC236}">
-                <a16:creationId xmlns:a16="http://schemas.microsoft.com/office/drawing/2014/main" id="{F54A4798-9BE9-5E4A-A45C-2B3C246C6E6D}"/>
+                <a16:creationId xmlns:a16="http://schemas.microsoft.com/office/drawing/2014/main" id="{CC83C13F-61A7-B644-B90D-16086E05E476}"/>
               </a:ext>
             </a:extLst>
           </p:cNvPr>
@@ -3628,35 +3679,63 @@
           <a:p>
             <a:r>
               <a:rPr lang="en-US" dirty="0"/>
-              <a:t>Facebook</a:t>
-            </a:r>
-          </a:p>
-          <a:p>
-            <a:r>
-              <a:rPr lang="en-US" dirty="0"/>
-              <a:t>Twitter</a:t>
-            </a:r>
-          </a:p>
-          <a:p>
-            <a:r>
-              <a:rPr lang="en-US" dirty="0"/>
-              <a:t>Instagram</a:t>
-            </a:r>
-          </a:p>
-          <a:p>
-            <a:r>
-              <a:rPr lang="en-US" dirty="0"/>
-              <a:t>Other??</a:t>
-            </a:r>
-          </a:p>
-        </p:txBody>
-      </p:sp>
-      <p:sp>
-        <p:nvSpPr>
-          <p:cNvPr id="4" name="Content Placeholder 3">
+              <a:t>FreshBooks</a:t>
+            </a:r>
+          </a:p>
+          <a:p>
+            <a:r>
+              <a:rPr lang="en-US" dirty="0" err="1"/>
+              <a:t>Tipalti</a:t>
+            </a:r>
+            <a:endParaRPr lang="en-US" dirty="0"/>
+          </a:p>
+          <a:p>
+            <a:r>
+              <a:rPr lang="en-US" dirty="0"/>
+              <a:t>Sage 50 Cloud</a:t>
+            </a:r>
+          </a:p>
+          <a:p>
+            <a:r>
+              <a:rPr lang="en-US" dirty="0" err="1"/>
+              <a:t>Zoho</a:t>
+            </a:r>
+            <a:r>
+              <a:rPr lang="en-US" dirty="0"/>
+              <a:t> Books</a:t>
+            </a:r>
+          </a:p>
+          <a:p>
+            <a:r>
+              <a:rPr lang="en-US" dirty="0" err="1"/>
+              <a:t>Quickbooks</a:t>
+            </a:r>
+            <a:r>
+              <a:rPr lang="en-US" dirty="0"/>
+              <a:t> Enterprise</a:t>
+            </a:r>
+          </a:p>
+          <a:p>
+            <a:r>
+              <a:rPr lang="en-US" dirty="0"/>
+              <a:t>Sage Business Cloud</a:t>
+            </a:r>
+          </a:p>
+          <a:p>
+            <a:r>
+              <a:rPr lang="en-US" dirty="0" err="1"/>
+              <a:t>Xero</a:t>
+            </a:r>
+            <a:endParaRPr lang="en-US" dirty="0"/>
+          </a:p>
+        </p:txBody>
+      </p:sp>
+      <p:sp>
+        <p:nvSpPr>
+          <p:cNvPr id="6" name="Content Placeholder 5">
             <a:extLst>
               <a:ext uri="{FF2B5EF4-FFF2-40B4-BE49-F238E27FC236}">
-                <a16:creationId xmlns:a16="http://schemas.microsoft.com/office/drawing/2014/main" id="{A462A597-7D1F-CE4C-94D8-AB503B8CB2DB}"/>
+                <a16:creationId xmlns:a16="http://schemas.microsoft.com/office/drawing/2014/main" id="{7E37D3E2-F227-9E43-A20B-CC2D36DF645C}"/>
               </a:ext>
             </a:extLst>
           </p:cNvPr>
@@ -3674,33 +3753,65 @@
           <a:p>
             <a:r>
               <a:rPr lang="en-US" dirty="0"/>
-              <a:t>Public and key influencer perception</a:t>
-            </a:r>
-          </a:p>
-          <a:p>
-            <a:r>
-              <a:rPr lang="en-US" dirty="0"/>
-              <a:t>Text mining for sentiment analysis</a:t>
-            </a:r>
-          </a:p>
-          <a:p>
-            <a:r>
-              <a:rPr lang="en-US" dirty="0"/>
-              <a:t>Track social media attention against sales</a:t>
-            </a:r>
-          </a:p>
-          <a:p>
-            <a:r>
-              <a:rPr lang="en-US" dirty="0"/>
-              <a:t>Who has an impact on company perception</a:t>
-            </a:r>
+              <a:t>Print bills to named customers</a:t>
+            </a:r>
+          </a:p>
+          <a:p>
+            <a:r>
+              <a:rPr lang="en-US" dirty="0"/>
+              <a:t>Used for behavior-based segmentations</a:t>
+            </a:r>
+          </a:p>
+          <a:p>
+            <a:r>
+              <a:rPr lang="en-US" dirty="0"/>
+              <a:t>Value-based segmentations</a:t>
+            </a:r>
+          </a:p>
+        </p:txBody>
+      </p:sp>
+      <p:sp>
+        <p:nvSpPr>
+          <p:cNvPr id="7" name="TextBox 6">
+            <a:extLst>
+              <a:ext uri="{FF2B5EF4-FFF2-40B4-BE49-F238E27FC236}">
+                <a16:creationId xmlns:a16="http://schemas.microsoft.com/office/drawing/2014/main" id="{2A17092A-14FF-6D41-9AA9-F1CCF5AE912F}"/>
+              </a:ext>
+            </a:extLst>
+          </p:cNvPr>
+          <p:cNvSpPr txBox="1"/>
+          <p:nvPr/>
+        </p:nvSpPr>
+        <p:spPr>
+          <a:xfrm>
+            <a:off x="1170463" y="11764962"/>
+            <a:ext cx="9772173" cy="461665"/>
+          </a:xfrm>
+          <a:prstGeom prst="rect">
+            <a:avLst/>
+          </a:prstGeom>
+          <a:noFill/>
+        </p:spPr>
+        <p:txBody>
+          <a:bodyPr wrap="square" rtlCol="0">
+            <a:spAutoFit/>
+          </a:bodyPr>
+          <a:lstStyle/>
+          <a:p>
+            <a:r>
+              <a:rPr lang="en-US" sz="2400" dirty="0">
+                <a:hlinkClick r:id="rId2"/>
+              </a:rPr>
+              <a:t>https://financesonline.com/top-10-billing-software-systems/</a:t>
+            </a:r>
+            <a:endParaRPr lang="en-US" sz="2400" dirty="0"/>
           </a:p>
         </p:txBody>
       </p:sp>
     </p:spTree>
     <p:extLst>
       <p:ext uri="{BB962C8B-B14F-4D97-AF65-F5344CB8AC3E}">
-        <p14:creationId xmlns:p14="http://schemas.microsoft.com/office/powerpoint/2010/main" val="4074539830"/>
+        <p14:creationId xmlns:p14="http://schemas.microsoft.com/office/powerpoint/2010/main" val="4240589421"/>
       </p:ext>
     </p:extLst>
   </p:cSld>
@@ -3733,7 +3844,7 @@
           <p:cNvPr id="2" name="Title 1">
             <a:extLst>
               <a:ext uri="{FF2B5EF4-FFF2-40B4-BE49-F238E27FC236}">
-                <a16:creationId xmlns:a16="http://schemas.microsoft.com/office/drawing/2014/main" id="{689455C3-A30E-284D-8DD0-670103EB4C34}"/>
+                <a16:creationId xmlns:a16="http://schemas.microsoft.com/office/drawing/2014/main" id="{B7614BE7-6984-CE4E-A855-FC356B4497A1}"/>
               </a:ext>
             </a:extLst>
           </p:cNvPr>
@@ -3751,7 +3862,7 @@
           <a:p>
             <a:r>
               <a:rPr lang="en-US" dirty="0"/>
-              <a:t>CRM systems</a:t>
+              <a:t>Social media data</a:t>
             </a:r>
           </a:p>
         </p:txBody>
@@ -3761,7 +3872,7 @@
           <p:cNvPr id="3" name="Content Placeholder 2">
             <a:extLst>
               <a:ext uri="{FF2B5EF4-FFF2-40B4-BE49-F238E27FC236}">
-                <a16:creationId xmlns:a16="http://schemas.microsoft.com/office/drawing/2014/main" id="{63234F57-95F6-6D40-A57F-0240B4CCDE71}"/>
+                <a16:creationId xmlns:a16="http://schemas.microsoft.com/office/drawing/2014/main" id="{F54A4798-9BE9-5E4A-A45C-2B3C246C6E6D}"/>
               </a:ext>
             </a:extLst>
           </p:cNvPr>
@@ -3779,34 +3890,26 @@
           <a:p>
             <a:r>
               <a:rPr lang="en-US" dirty="0"/>
-              <a:t>HubSpot CRM</a:t>
-            </a:r>
-          </a:p>
-          <a:p>
-            <a:r>
-              <a:rPr lang="en-US" dirty="0"/>
-              <a:t>Salesforce CRM</a:t>
-            </a:r>
-          </a:p>
-          <a:p>
-            <a:r>
-              <a:rPr lang="en-US" dirty="0" err="1"/>
-              <a:t>Freshsales</a:t>
-            </a:r>
-            <a:endParaRPr lang="en-US" dirty="0"/>
-          </a:p>
-          <a:p>
-            <a:r>
-              <a:rPr lang="en-US" dirty="0"/>
-              <a:t>Pipedrive</a:t>
-            </a:r>
-          </a:p>
-          <a:p>
-            <a:r>
-              <a:rPr lang="en-US" dirty="0" err="1"/>
-              <a:t>OnContact</a:t>
-            </a:r>
-            <a:endParaRPr lang="en-US" dirty="0"/>
+              <a:t>Facebook</a:t>
+            </a:r>
+          </a:p>
+          <a:p>
+            <a:r>
+              <a:rPr lang="en-US" dirty="0"/>
+              <a:t>Twitter</a:t>
+            </a:r>
+          </a:p>
+          <a:p>
+            <a:r>
+              <a:rPr lang="en-US" dirty="0"/>
+              <a:t>Instagram</a:t>
+            </a:r>
+          </a:p>
+          <a:p>
+            <a:r>
+              <a:rPr lang="en-US" dirty="0"/>
+              <a:t>Other??</a:t>
+            </a:r>
           </a:p>
         </p:txBody>
       </p:sp>
@@ -3815,7 +3918,7 @@
           <p:cNvPr id="4" name="Content Placeholder 3">
             <a:extLst>
               <a:ext uri="{FF2B5EF4-FFF2-40B4-BE49-F238E27FC236}">
-                <a16:creationId xmlns:a16="http://schemas.microsoft.com/office/drawing/2014/main" id="{DBA30703-8802-8149-BE34-D2E66938E6F9}"/>
+                <a16:creationId xmlns:a16="http://schemas.microsoft.com/office/drawing/2014/main" id="{A462A597-7D1F-CE4C-94D8-AB503B8CB2DB}"/>
               </a:ext>
             </a:extLst>
           </p:cNvPr>
@@ -3832,32 +3935,26 @@
           <a:lstStyle/>
           <a:p>
             <a:r>
-              <a:rPr lang="en-US" sz="6000" dirty="0"/>
-              <a:t>Customer contact history (email, phone)</a:t>
-            </a:r>
-          </a:p>
-          <a:p>
-            <a:r>
-              <a:rPr lang="en-US" sz="6000" dirty="0"/>
-              <a:t>Progress through sales cycle</a:t>
-            </a:r>
-          </a:p>
-          <a:p>
-            <a:r>
-              <a:rPr lang="en-US" sz="6000" dirty="0"/>
-              <a:t>Support tickets (sometimes)</a:t>
-            </a:r>
-          </a:p>
-          <a:p>
-            <a:r>
-              <a:rPr lang="en-US" sz="6000" dirty="0"/>
-              <a:t>Customer value analysis</a:t>
-            </a:r>
-          </a:p>
-          <a:p>
-            <a:r>
-              <a:rPr lang="en-US" sz="6000" dirty="0"/>
-              <a:t>Sales funnel analysis</a:t>
+              <a:rPr lang="en-US" dirty="0"/>
+              <a:t>Public and key influencer perception</a:t>
+            </a:r>
+          </a:p>
+          <a:p>
+            <a:r>
+              <a:rPr lang="en-US" dirty="0"/>
+              <a:t>Text mining for sentiment analysis</a:t>
+            </a:r>
+          </a:p>
+          <a:p>
+            <a:r>
+              <a:rPr lang="en-US" dirty="0"/>
+              <a:t>Track social media attention against sales</a:t>
+            </a:r>
+          </a:p>
+          <a:p>
+            <a:r>
+              <a:rPr lang="en-US" dirty="0"/>
+              <a:t>Who has an impact on company perception</a:t>
             </a:r>
           </a:p>
         </p:txBody>
@@ -3865,7 +3962,7 @@
     </p:spTree>
     <p:extLst>
       <p:ext uri="{BB962C8B-B14F-4D97-AF65-F5344CB8AC3E}">
-        <p14:creationId xmlns:p14="http://schemas.microsoft.com/office/powerpoint/2010/main" val="608804288"/>
+        <p14:creationId xmlns:p14="http://schemas.microsoft.com/office/powerpoint/2010/main" val="4074539830"/>
       </p:ext>
     </p:extLst>
   </p:cSld>
@@ -3898,7 +3995,7 @@
           <p:cNvPr id="2" name="Title 1">
             <a:extLst>
               <a:ext uri="{FF2B5EF4-FFF2-40B4-BE49-F238E27FC236}">
-                <a16:creationId xmlns:a16="http://schemas.microsoft.com/office/drawing/2014/main" id="{C6DFC92D-8DCC-D543-9C76-FA69FA6DDE37}"/>
+                <a16:creationId xmlns:a16="http://schemas.microsoft.com/office/drawing/2014/main" id="{689455C3-A30E-284D-8DD0-670103EB4C34}"/>
               </a:ext>
             </a:extLst>
           </p:cNvPr>
@@ -3916,7 +4013,7 @@
           <a:p>
             <a:r>
               <a:rPr lang="en-US" dirty="0"/>
-              <a:t>Product and consumption information</a:t>
+              <a:t>CRM systems</a:t>
             </a:r>
           </a:p>
         </p:txBody>
@@ -3926,7 +4023,7 @@
           <p:cNvPr id="3" name="Content Placeholder 2">
             <a:extLst>
               <a:ext uri="{FF2B5EF4-FFF2-40B4-BE49-F238E27FC236}">
-                <a16:creationId xmlns:a16="http://schemas.microsoft.com/office/drawing/2014/main" id="{0563FB43-7EC2-AD47-B972-D48D1F18BB75}"/>
+                <a16:creationId xmlns:a16="http://schemas.microsoft.com/office/drawing/2014/main" id="{63234F57-95F6-6D40-A57F-0240B4CCDE71}"/>
               </a:ext>
             </a:extLst>
           </p:cNvPr>
@@ -3944,14 +4041,34 @@
           <a:p>
             <a:r>
               <a:rPr lang="en-US" dirty="0"/>
-              <a:t>Custom database solutions</a:t>
-            </a:r>
-          </a:p>
-          <a:p>
-            <a:r>
-              <a:rPr lang="en-US" dirty="0"/>
-              <a:t>Web tracking systems (Adobe Analytics, Google Analytics)</a:t>
-            </a:r>
+              <a:t>HubSpot CRM</a:t>
+            </a:r>
+          </a:p>
+          <a:p>
+            <a:r>
+              <a:rPr lang="en-US" dirty="0"/>
+              <a:t>Salesforce CRM</a:t>
+            </a:r>
+          </a:p>
+          <a:p>
+            <a:r>
+              <a:rPr lang="en-US" dirty="0" err="1"/>
+              <a:t>Freshsales</a:t>
+            </a:r>
+            <a:endParaRPr lang="en-US" dirty="0"/>
+          </a:p>
+          <a:p>
+            <a:r>
+              <a:rPr lang="en-US" dirty="0"/>
+              <a:t>Pipedrive</a:t>
+            </a:r>
+          </a:p>
+          <a:p>
+            <a:r>
+              <a:rPr lang="en-US" dirty="0" err="1"/>
+              <a:t>OnContact</a:t>
+            </a:r>
+            <a:endParaRPr lang="en-US" dirty="0"/>
           </a:p>
         </p:txBody>
       </p:sp>
@@ -3960,7 +4077,7 @@
           <p:cNvPr id="4" name="Content Placeholder 3">
             <a:extLst>
               <a:ext uri="{FF2B5EF4-FFF2-40B4-BE49-F238E27FC236}">
-                <a16:creationId xmlns:a16="http://schemas.microsoft.com/office/drawing/2014/main" id="{7C6D7FDF-1E3B-E640-AB6E-756C0E0539F6}"/>
+                <a16:creationId xmlns:a16="http://schemas.microsoft.com/office/drawing/2014/main" id="{DBA30703-8802-8149-BE34-D2E66938E6F9}"/>
               </a:ext>
             </a:extLst>
           </p:cNvPr>
@@ -3977,20 +4094,32 @@
           <a:lstStyle/>
           <a:p>
             <a:r>
-              <a:rPr lang="en-US" dirty="0"/>
-              <a:t>Which products are used over time</a:t>
-            </a:r>
-          </a:p>
-          <a:p>
-            <a:r>
-              <a:rPr lang="en-US" dirty="0"/>
-              <a:t>Product feature use</a:t>
-            </a:r>
-          </a:p>
-          <a:p>
-            <a:r>
-              <a:rPr lang="en-US" dirty="0"/>
-              <a:t>Churn predictions (in some cases)</a:t>
+              <a:rPr lang="en-US" sz="6000" dirty="0"/>
+              <a:t>Customer contact history (email, phone)</a:t>
+            </a:r>
+          </a:p>
+          <a:p>
+            <a:r>
+              <a:rPr lang="en-US" sz="6000" dirty="0"/>
+              <a:t>Progress through sales cycle</a:t>
+            </a:r>
+          </a:p>
+          <a:p>
+            <a:r>
+              <a:rPr lang="en-US" sz="6000" dirty="0"/>
+              <a:t>Support tickets (sometimes)</a:t>
+            </a:r>
+          </a:p>
+          <a:p>
+            <a:r>
+              <a:rPr lang="en-US" sz="6000" dirty="0"/>
+              <a:t>Customer value analysis</a:t>
+            </a:r>
+          </a:p>
+          <a:p>
+            <a:r>
+              <a:rPr lang="en-US" sz="6000" dirty="0"/>
+              <a:t>Sales funnel analysis</a:t>
             </a:r>
           </a:p>
         </p:txBody>
@@ -3998,7 +4127,7 @@
     </p:spTree>
     <p:extLst>
       <p:ext uri="{BB962C8B-B14F-4D97-AF65-F5344CB8AC3E}">
-        <p14:creationId xmlns:p14="http://schemas.microsoft.com/office/powerpoint/2010/main" val="4006693325"/>
+        <p14:creationId xmlns:p14="http://schemas.microsoft.com/office/powerpoint/2010/main" val="608804288"/>
       </p:ext>
     </p:extLst>
   </p:cSld>
@@ -4031,7 +4160,7 @@
           <p:cNvPr id="2" name="Title 1">
             <a:extLst>
               <a:ext uri="{FF2B5EF4-FFF2-40B4-BE49-F238E27FC236}">
-                <a16:creationId xmlns:a16="http://schemas.microsoft.com/office/drawing/2014/main" id="{1FA2AEFA-C158-824A-9A7D-164AA7E6BF98}"/>
+                <a16:creationId xmlns:a16="http://schemas.microsoft.com/office/drawing/2014/main" id="{C6DFC92D-8DCC-D543-9C76-FA69FA6DDE37}"/>
               </a:ext>
             </a:extLst>
           </p:cNvPr>
@@ -4049,7 +4178,7 @@
           <a:p>
             <a:r>
               <a:rPr lang="en-US" dirty="0"/>
-              <a:t>Human Resources systems</a:t>
+              <a:t>Product and consumption information</a:t>
             </a:r>
           </a:p>
         </p:txBody>
@@ -4059,7 +4188,7 @@
           <p:cNvPr id="3" name="Content Placeholder 2">
             <a:extLst>
               <a:ext uri="{FF2B5EF4-FFF2-40B4-BE49-F238E27FC236}">
-                <a16:creationId xmlns:a16="http://schemas.microsoft.com/office/drawing/2014/main" id="{006E45DA-5194-7E4E-8491-2B085320B013}"/>
+                <a16:creationId xmlns:a16="http://schemas.microsoft.com/office/drawing/2014/main" id="{0563FB43-7EC2-AD47-B972-D48D1F18BB75}"/>
               </a:ext>
             </a:extLst>
           </p:cNvPr>
@@ -4077,35 +4206,13 @@
           <a:p>
             <a:r>
               <a:rPr lang="en-US" dirty="0"/>
-              <a:t>BambooHR</a:t>
-            </a:r>
-          </a:p>
-          <a:p>
-            <a:r>
-              <a:rPr lang="en-US" dirty="0" err="1"/>
-              <a:t>Zoho</a:t>
-            </a:r>
-            <a:r>
-              <a:rPr lang="en-US" dirty="0"/>
-              <a:t> People</a:t>
-            </a:r>
-          </a:p>
-          <a:p>
-            <a:r>
-              <a:rPr lang="en-US" dirty="0"/>
-              <a:t>Dayforce HCM</a:t>
-            </a:r>
-          </a:p>
-          <a:p>
-            <a:r>
-              <a:rPr lang="en-US" dirty="0"/>
-              <a:t>SAP SuccessFactors</a:t>
-            </a:r>
-          </a:p>
-          <a:p>
-            <a:r>
-              <a:rPr lang="en-US" dirty="0"/>
-              <a:t>Kronos Workforce Central</a:t>
+              <a:t>Custom database solutions</a:t>
+            </a:r>
+          </a:p>
+          <a:p>
+            <a:r>
+              <a:rPr lang="en-US" dirty="0"/>
+              <a:t>Web tracking systems (Adobe Analytics, Google Analytics)</a:t>
             </a:r>
           </a:p>
         </p:txBody>
@@ -4115,7 +4222,7 @@
           <p:cNvPr id="4" name="Content Placeholder 3">
             <a:extLst>
               <a:ext uri="{FF2B5EF4-FFF2-40B4-BE49-F238E27FC236}">
-                <a16:creationId xmlns:a16="http://schemas.microsoft.com/office/drawing/2014/main" id="{CD308BBE-F58F-4743-8F2E-2F0D25072E3B}"/>
+                <a16:creationId xmlns:a16="http://schemas.microsoft.com/office/drawing/2014/main" id="{7C6D7FDF-1E3B-E640-AB6E-756C0E0539F6}"/>
               </a:ext>
             </a:extLst>
           </p:cNvPr>
@@ -4133,71 +4240,27 @@
           <a:p>
             <a:r>
               <a:rPr lang="en-US" dirty="0"/>
-              <a:t>Optimization of the people side of the business</a:t>
-            </a:r>
-          </a:p>
-          <a:p>
-            <a:r>
-              <a:rPr lang="en-US" dirty="0"/>
-              <a:t>Hiring and retention</a:t>
-            </a:r>
-          </a:p>
-          <a:p>
-            <a:r>
-              <a:rPr lang="en-US" dirty="0"/>
-              <a:t>hours worked and timesheets</a:t>
-            </a:r>
-          </a:p>
-          <a:p>
-            <a:r>
-              <a:rPr lang="en-US" dirty="0"/>
-              <a:t>Org structure</a:t>
-            </a:r>
-          </a:p>
-        </p:txBody>
-      </p:sp>
-      <p:sp>
-        <p:nvSpPr>
-          <p:cNvPr id="5" name="TextBox 4">
-            <a:extLst>
-              <a:ext uri="{FF2B5EF4-FFF2-40B4-BE49-F238E27FC236}">
-                <a16:creationId xmlns:a16="http://schemas.microsoft.com/office/drawing/2014/main" id="{1D6DF1D9-B920-FB41-8CE4-C343A3F0B893}"/>
-              </a:ext>
-            </a:extLst>
-          </p:cNvPr>
-          <p:cNvSpPr txBox="1"/>
-          <p:nvPr/>
-        </p:nvSpPr>
-        <p:spPr>
-          <a:xfrm>
-            <a:off x="1170464" y="11760497"/>
-            <a:ext cx="8686800" cy="461665"/>
-          </a:xfrm>
-          <a:prstGeom prst="rect">
-            <a:avLst/>
-          </a:prstGeom>
-          <a:noFill/>
-        </p:spPr>
-        <p:txBody>
-          <a:bodyPr wrap="square" rtlCol="0">
-            <a:spAutoFit/>
-          </a:bodyPr>
-          <a:lstStyle/>
-          <a:p>
-            <a:r>
-              <a:rPr lang="en-US" sz="2400" dirty="0">
-                <a:hlinkClick r:id="rId2"/>
-              </a:rPr>
-              <a:t>https://financesonline.com/top-20-hr-software-solutions/</a:t>
-            </a:r>
-            <a:endParaRPr lang="en-US" sz="2400" dirty="0"/>
+              <a:t>Which products are used over time</a:t>
+            </a:r>
+          </a:p>
+          <a:p>
+            <a:r>
+              <a:rPr lang="en-US" dirty="0"/>
+              <a:t>Product feature use</a:t>
+            </a:r>
+          </a:p>
+          <a:p>
+            <a:r>
+              <a:rPr lang="en-US" dirty="0"/>
+              <a:t>Churn predictions (in some cases)</a:t>
+            </a:r>
           </a:p>
         </p:txBody>
       </p:sp>
     </p:spTree>
     <p:extLst>
       <p:ext uri="{BB962C8B-B14F-4D97-AF65-F5344CB8AC3E}">
-        <p14:creationId xmlns:p14="http://schemas.microsoft.com/office/powerpoint/2010/main" val="3355822772"/>
+        <p14:creationId xmlns:p14="http://schemas.microsoft.com/office/powerpoint/2010/main" val="4006693325"/>
       </p:ext>
     </p:extLst>
   </p:cSld>
@@ -4227,10 +4290,10 @@
       </p:grpSpPr>
       <p:sp>
         <p:nvSpPr>
-          <p:cNvPr id="5" name="Title 4">
+          <p:cNvPr id="2" name="Title 1">
             <a:extLst>
               <a:ext uri="{FF2B5EF4-FFF2-40B4-BE49-F238E27FC236}">
-                <a16:creationId xmlns:a16="http://schemas.microsoft.com/office/drawing/2014/main" id="{2FDECEFC-096B-6744-BA90-E8E04F42B83C}"/>
+                <a16:creationId xmlns:a16="http://schemas.microsoft.com/office/drawing/2014/main" id="{1FA2AEFA-C158-824A-9A7D-164AA7E6BF98}"/>
               </a:ext>
             </a:extLst>
           </p:cNvPr>
@@ -4248,17 +4311,17 @@
           <a:p>
             <a:r>
               <a:rPr lang="en-US" dirty="0"/>
-              <a:t>Analytics information</a:t>
-            </a:r>
-          </a:p>
-        </p:txBody>
-      </p:sp>
-      <p:sp>
-        <p:nvSpPr>
-          <p:cNvPr id="6" name="Content Placeholder 5">
+              <a:t>Human Resources systems</a:t>
+            </a:r>
+          </a:p>
+        </p:txBody>
+      </p:sp>
+      <p:sp>
+        <p:nvSpPr>
+          <p:cNvPr id="3" name="Content Placeholder 2">
             <a:extLst>
               <a:ext uri="{FF2B5EF4-FFF2-40B4-BE49-F238E27FC236}">
-                <a16:creationId xmlns:a16="http://schemas.microsoft.com/office/drawing/2014/main" id="{30152AE5-3EDA-D546-99A3-17B4A3F48D45}"/>
+                <a16:creationId xmlns:a16="http://schemas.microsoft.com/office/drawing/2014/main" id="{006E45DA-5194-7E4E-8491-2B085320B013}"/>
               </a:ext>
             </a:extLst>
           </p:cNvPr>
@@ -4276,31 +4339,45 @@
           <a:p>
             <a:r>
               <a:rPr lang="en-US" dirty="0"/>
-              <a:t>KPIs</a:t>
-            </a:r>
-          </a:p>
-          <a:p>
-            <a:pPr lvl="1"/>
-            <a:r>
-              <a:rPr lang="en-US" dirty="0"/>
-              <a:t>Used for monitoring purposes</a:t>
-            </a:r>
-          </a:p>
-          <a:p>
-            <a:pPr lvl="1"/>
-            <a:r>
-              <a:rPr lang="en-US" dirty="0"/>
-              <a:t>If saved and snapshotted correctly can be used for optimization later on</a:t>
-            </a:r>
-          </a:p>
-        </p:txBody>
-      </p:sp>
-      <p:sp>
-        <p:nvSpPr>
-          <p:cNvPr id="7" name="Content Placeholder 6">
+              <a:t>BambooHR</a:t>
+            </a:r>
+          </a:p>
+          <a:p>
+            <a:r>
+              <a:rPr lang="en-US" dirty="0" err="1"/>
+              <a:t>Zoho</a:t>
+            </a:r>
+            <a:r>
+              <a:rPr lang="en-US" dirty="0"/>
+              <a:t> People</a:t>
+            </a:r>
+          </a:p>
+          <a:p>
+            <a:r>
+              <a:rPr lang="en-US" dirty="0"/>
+              <a:t>Dayforce HCM</a:t>
+            </a:r>
+          </a:p>
+          <a:p>
+            <a:r>
+              <a:rPr lang="en-US" dirty="0"/>
+              <a:t>SAP SuccessFactors</a:t>
+            </a:r>
+          </a:p>
+          <a:p>
+            <a:r>
+              <a:rPr lang="en-US" dirty="0"/>
+              <a:t>Kronos Workforce Central</a:t>
+            </a:r>
+          </a:p>
+        </p:txBody>
+      </p:sp>
+      <p:sp>
+        <p:nvSpPr>
+          <p:cNvPr id="4" name="Content Placeholder 3">
             <a:extLst>
               <a:ext uri="{FF2B5EF4-FFF2-40B4-BE49-F238E27FC236}">
-                <a16:creationId xmlns:a16="http://schemas.microsoft.com/office/drawing/2014/main" id="{6794893E-699D-0B4D-B533-6B55F49CD5DA}"/>
+                <a16:creationId xmlns:a16="http://schemas.microsoft.com/office/drawing/2014/main" id="{CD308BBE-F58F-4743-8F2E-2F0D25072E3B}"/>
               </a:ext>
             </a:extLst>
           </p:cNvPr>
@@ -4318,36 +4395,71 @@
           <a:p>
             <a:r>
               <a:rPr lang="en-US" dirty="0"/>
-              <a:t>Data mining results</a:t>
-            </a:r>
-          </a:p>
-          <a:p>
-            <a:pPr lvl="1"/>
-            <a:r>
-              <a:rPr lang="en-US" dirty="0"/>
-              <a:t>Or other analytics projects</a:t>
-            </a:r>
-          </a:p>
-          <a:p>
-            <a:pPr lvl="1"/>
-            <a:r>
-              <a:rPr lang="en-US" dirty="0"/>
-              <a:t>Segmentations, sales models, loyalty segmentation</a:t>
-            </a:r>
-          </a:p>
-          <a:p>
-            <a:pPr lvl="1"/>
-            <a:r>
-              <a:rPr lang="en-US" dirty="0"/>
-              <a:t>Used to create learning about causal relations across the business</a:t>
-            </a:r>
+              <a:t>Optimization of the people side of the business</a:t>
+            </a:r>
+          </a:p>
+          <a:p>
+            <a:r>
+              <a:rPr lang="en-US" dirty="0"/>
+              <a:t>Hiring and retention</a:t>
+            </a:r>
+          </a:p>
+          <a:p>
+            <a:r>
+              <a:rPr lang="en-US" dirty="0"/>
+              <a:t>hours worked and timesheets</a:t>
+            </a:r>
+          </a:p>
+          <a:p>
+            <a:r>
+              <a:rPr lang="en-US" dirty="0"/>
+              <a:t>Org structure</a:t>
+            </a:r>
+          </a:p>
+        </p:txBody>
+      </p:sp>
+      <p:sp>
+        <p:nvSpPr>
+          <p:cNvPr id="5" name="TextBox 4">
+            <a:extLst>
+              <a:ext uri="{FF2B5EF4-FFF2-40B4-BE49-F238E27FC236}">
+                <a16:creationId xmlns:a16="http://schemas.microsoft.com/office/drawing/2014/main" id="{1D6DF1D9-B920-FB41-8CE4-C343A3F0B893}"/>
+              </a:ext>
+            </a:extLst>
+          </p:cNvPr>
+          <p:cNvSpPr txBox="1"/>
+          <p:nvPr/>
+        </p:nvSpPr>
+        <p:spPr>
+          <a:xfrm>
+            <a:off x="1170464" y="11760497"/>
+            <a:ext cx="8686800" cy="461665"/>
+          </a:xfrm>
+          <a:prstGeom prst="rect">
+            <a:avLst/>
+          </a:prstGeom>
+          <a:noFill/>
+        </p:spPr>
+        <p:txBody>
+          <a:bodyPr wrap="square" rtlCol="0">
+            <a:spAutoFit/>
+          </a:bodyPr>
+          <a:lstStyle/>
+          <a:p>
+            <a:r>
+              <a:rPr lang="en-US" sz="2400" dirty="0">
+                <a:hlinkClick r:id="rId2"/>
+              </a:rPr>
+              <a:t>https://financesonline.com/top-20-hr-software-solutions/</a:t>
+            </a:r>
+            <a:endParaRPr lang="en-US" sz="2400" dirty="0"/>
           </a:p>
         </p:txBody>
       </p:sp>
     </p:spTree>
     <p:extLst>
       <p:ext uri="{BB962C8B-B14F-4D97-AF65-F5344CB8AC3E}">
-        <p14:creationId xmlns:p14="http://schemas.microsoft.com/office/powerpoint/2010/main" val="238993059"/>
+        <p14:creationId xmlns:p14="http://schemas.microsoft.com/office/powerpoint/2010/main" val="3355822772"/>
       </p:ext>
     </p:extLst>
   </p:cSld>
@@ -4375,146 +4487,121 @@
           <a:chExt cx="0" cy="0"/>
         </a:xfrm>
       </p:grpSpPr>
-      <p:pic>
-        <p:nvPicPr>
-          <p:cNvPr id="3" name="Picture 2">
+      <p:sp>
+        <p:nvSpPr>
+          <p:cNvPr id="5" name="Title 4">
             <a:extLst>
               <a:ext uri="{FF2B5EF4-FFF2-40B4-BE49-F238E27FC236}">
-                <a16:creationId xmlns:a16="http://schemas.microsoft.com/office/drawing/2014/main" id="{B6CBC6EA-BE7F-0F49-8FDB-E3C640392A17}"/>
+                <a16:creationId xmlns:a16="http://schemas.microsoft.com/office/drawing/2014/main" id="{2FDECEFC-096B-6744-BA90-E8E04F42B83C}"/>
               </a:ext>
             </a:extLst>
           </p:cNvPr>
-          <p:cNvPicPr>
-            <a:picLocks noChangeAspect="1"/>
-          </p:cNvPicPr>
-          <p:nvPr/>
-        </p:nvPicPr>
-        <p:blipFill>
-          <a:blip r:embed="rId3"/>
-          <a:stretch>
-            <a:fillRect/>
-          </a:stretch>
-        </p:blipFill>
-        <p:spPr>
-          <a:xfrm>
-            <a:off x="-30163" y="-46039"/>
-            <a:ext cx="23439438" cy="14649649"/>
-          </a:xfrm>
-          <a:prstGeom prst="rect">
-            <a:avLst/>
-          </a:prstGeom>
-        </p:spPr>
-      </p:pic>
-      <p:sp>
-        <p:nvSpPr>
-          <p:cNvPr id="5" name="Rounded Rectangle 4">
+          <p:cNvSpPr>
+            <a:spLocks noGrp="1"/>
+          </p:cNvSpPr>
+          <p:nvPr>
+            <p:ph type="title"/>
+          </p:nvPr>
+        </p:nvSpPr>
+        <p:spPr/>
+        <p:txBody>
+          <a:bodyPr/>
+          <a:lstStyle/>
+          <a:p>
+            <a:r>
+              <a:rPr lang="en-US" dirty="0"/>
+              <a:t>Analytics information</a:t>
+            </a:r>
+          </a:p>
+        </p:txBody>
+      </p:sp>
+      <p:sp>
+        <p:nvSpPr>
+          <p:cNvPr id="6" name="Content Placeholder 5">
             <a:extLst>
               <a:ext uri="{FF2B5EF4-FFF2-40B4-BE49-F238E27FC236}">
-                <a16:creationId xmlns:a16="http://schemas.microsoft.com/office/drawing/2014/main" id="{01D3AE89-EB2D-8547-AFDE-F7B7EF3E2D62}"/>
+                <a16:creationId xmlns:a16="http://schemas.microsoft.com/office/drawing/2014/main" id="{30152AE5-3EDA-D546-99A3-17B4A3F48D45}"/>
               </a:ext>
             </a:extLst>
           </p:cNvPr>
-          <p:cNvSpPr/>
-          <p:nvPr/>
-        </p:nvSpPr>
-        <p:spPr>
-          <a:xfrm>
-            <a:off x="731837" y="1020762"/>
-            <a:ext cx="8915400" cy="7105782"/>
-          </a:xfrm>
-          <a:prstGeom prst="roundRect">
-            <a:avLst>
-              <a:gd name="adj" fmla="val 3393"/>
-            </a:avLst>
-          </a:prstGeom>
-          <a:solidFill>
-            <a:srgbClr val="FCF7FF"/>
-          </a:solidFill>
-          <a:ln>
-            <a:solidFill>
-              <a:schemeClr val="tx1">
-                <a:lumMod val="75000"/>
-                <a:lumOff val="25000"/>
-              </a:schemeClr>
-            </a:solidFill>
-          </a:ln>
-          <a:effectLst/>
-        </p:spPr>
-        <p:style>
-          <a:lnRef idx="1">
-            <a:schemeClr val="accent1"/>
-          </a:lnRef>
-          <a:fillRef idx="3">
-            <a:schemeClr val="accent1"/>
-          </a:fillRef>
-          <a:effectRef idx="2">
-            <a:schemeClr val="accent1"/>
-          </a:effectRef>
-          <a:fontRef idx="minor">
-            <a:schemeClr val="lt1"/>
-          </a:fontRef>
-        </p:style>
-        <p:txBody>
-          <a:bodyPr rtlCol="0" anchor="ctr"/>
+          <p:cNvSpPr>
+            <a:spLocks noGrp="1"/>
+          </p:cNvSpPr>
+          <p:nvPr>
+            <p:ph sz="half" idx="1"/>
+          </p:nvPr>
+        </p:nvSpPr>
+        <p:spPr/>
+        <p:txBody>
+          <a:bodyPr/>
           <a:lstStyle/>
           <a:p>
-            <a:pPr>
-              <a:spcBef>
-                <a:spcPts val="600"/>
-              </a:spcBef>
-              <a:spcAft>
-                <a:spcPts val="1200"/>
-              </a:spcAft>
-            </a:pPr>
-            <a:r>
-              <a:rPr lang="en-US" sz="4000" dirty="0">
-                <a:solidFill>
-                  <a:schemeClr val="tx1">
-                    <a:lumMod val="85000"/>
-                    <a:lumOff val="15000"/>
-                  </a:schemeClr>
-                </a:solidFill>
-              </a:rPr>
-              <a:t>Difference between source systems and data-generating systems</a:t>
-            </a:r>
-          </a:p>
-          <a:p>
-            <a:pPr>
-              <a:spcBef>
-                <a:spcPts val="600"/>
-              </a:spcBef>
-              <a:spcAft>
-                <a:spcPts val="1200"/>
-              </a:spcAft>
-            </a:pPr>
-            <a:endParaRPr lang="en-US" sz="4000" dirty="0">
-              <a:solidFill>
-                <a:schemeClr val="tx1">
-                  <a:lumMod val="85000"/>
-                  <a:lumOff val="15000"/>
-                </a:schemeClr>
-              </a:solidFill>
-            </a:endParaRPr>
-          </a:p>
-          <a:p>
-            <a:pPr>
-              <a:spcBef>
-                <a:spcPts val="600"/>
-              </a:spcBef>
-              <a:spcAft>
-                <a:spcPts val="1200"/>
-              </a:spcAft>
-            </a:pPr>
-            <a:r>
-              <a:rPr lang="en-US" sz="4000" dirty="0">
-                <a:solidFill>
-                  <a:schemeClr val="tx1">
-                    <a:lumMod val="85000"/>
-                    <a:lumOff val="15000"/>
-                  </a:schemeClr>
-                </a:solidFill>
-              </a:rPr>
-              <a:t>List of source systems and how they would be used</a:t>
+            <a:r>
+              <a:rPr lang="en-US" dirty="0"/>
+              <a:t>KPIs</a:t>
+            </a:r>
+          </a:p>
+          <a:p>
+            <a:pPr lvl="1"/>
+            <a:r>
+              <a:rPr lang="en-US" dirty="0"/>
+              <a:t>Used for monitoring purposes</a:t>
+            </a:r>
+          </a:p>
+          <a:p>
+            <a:pPr lvl="1"/>
+            <a:r>
+              <a:rPr lang="en-US" dirty="0"/>
+              <a:t>If saved and snapshotted correctly can be used for optimization later on</a:t>
+            </a:r>
+          </a:p>
+        </p:txBody>
+      </p:sp>
+      <p:sp>
+        <p:nvSpPr>
+          <p:cNvPr id="7" name="Content Placeholder 6">
+            <a:extLst>
+              <a:ext uri="{FF2B5EF4-FFF2-40B4-BE49-F238E27FC236}">
+                <a16:creationId xmlns:a16="http://schemas.microsoft.com/office/drawing/2014/main" id="{6794893E-699D-0B4D-B533-6B55F49CD5DA}"/>
+              </a:ext>
+            </a:extLst>
+          </p:cNvPr>
+          <p:cNvSpPr>
+            <a:spLocks noGrp="1"/>
+          </p:cNvSpPr>
+          <p:nvPr>
+            <p:ph sz="half" idx="2"/>
+          </p:nvPr>
+        </p:nvSpPr>
+        <p:spPr/>
+        <p:txBody>
+          <a:bodyPr/>
+          <a:lstStyle/>
+          <a:p>
+            <a:r>
+              <a:rPr lang="en-US" dirty="0"/>
+              <a:t>Data mining results</a:t>
+            </a:r>
+          </a:p>
+          <a:p>
+            <a:pPr lvl="1"/>
+            <a:r>
+              <a:rPr lang="en-US" dirty="0"/>
+              <a:t>Or other analytics projects</a:t>
+            </a:r>
+          </a:p>
+          <a:p>
+            <a:pPr lvl="1"/>
+            <a:r>
+              <a:rPr lang="en-US" dirty="0"/>
+              <a:t>Segmentations, sales models, loyalty segmentation</a:t>
+            </a:r>
+          </a:p>
+          <a:p>
+            <a:pPr lvl="1"/>
+            <a:r>
+              <a:rPr lang="en-US" dirty="0"/>
+              <a:t>Used to create learning about causal relations across the business</a:t>
             </a:r>
           </a:p>
         </p:txBody>
@@ -4522,7 +4609,7 @@
     </p:spTree>
     <p:extLst>
       <p:ext uri="{BB962C8B-B14F-4D97-AF65-F5344CB8AC3E}">
-        <p14:creationId xmlns:p14="http://schemas.microsoft.com/office/powerpoint/2010/main" val="2667180930"/>
+        <p14:creationId xmlns:p14="http://schemas.microsoft.com/office/powerpoint/2010/main" val="238993059"/>
       </p:ext>
     </p:extLst>
   </p:cSld>
